--- a/src/thomasfermi/Document/Thomas-Fermi方程式のFEMによる解法.pptx
+++ b/src/thomasfermi/Document/Thomas-Fermi方程式のFEMによる解法.pptx
@@ -5,7 +5,7 @@
     <p:sldMasterId id="2147483744" r:id="rId1"/>
   </p:sldMasterIdLst>
   <p:notesMasterIdLst>
-    <p:notesMasterId r:id="rId22"/>
+    <p:notesMasterId r:id="rId21"/>
   </p:notesMasterIdLst>
   <p:sldIdLst>
     <p:sldId id="258" r:id="rId2"/>
@@ -15,24 +15,23 @@
     <p:sldId id="414" r:id="rId6"/>
     <p:sldId id="415" r:id="rId7"/>
     <p:sldId id="416" r:id="rId8"/>
-    <p:sldId id="417" r:id="rId9"/>
-    <p:sldId id="418" r:id="rId10"/>
-    <p:sldId id="419" r:id="rId11"/>
-    <p:sldId id="420" r:id="rId12"/>
-    <p:sldId id="421" r:id="rId13"/>
-    <p:sldId id="422" r:id="rId14"/>
-    <p:sldId id="429" r:id="rId15"/>
-    <p:sldId id="423" r:id="rId16"/>
-    <p:sldId id="426" r:id="rId17"/>
-    <p:sldId id="424" r:id="rId18"/>
-    <p:sldId id="425" r:id="rId19"/>
-    <p:sldId id="427" r:id="rId20"/>
-    <p:sldId id="428" r:id="rId21"/>
+    <p:sldId id="418" r:id="rId9"/>
+    <p:sldId id="419" r:id="rId10"/>
+    <p:sldId id="420" r:id="rId11"/>
+    <p:sldId id="421" r:id="rId12"/>
+    <p:sldId id="422" r:id="rId13"/>
+    <p:sldId id="429" r:id="rId14"/>
+    <p:sldId id="423" r:id="rId15"/>
+    <p:sldId id="426" r:id="rId16"/>
+    <p:sldId id="424" r:id="rId17"/>
+    <p:sldId id="425" r:id="rId18"/>
+    <p:sldId id="427" r:id="rId19"/>
+    <p:sldId id="428" r:id="rId20"/>
   </p:sldIdLst>
   <p:sldSz cx="9144000" cy="6858000" type="screen4x3"/>
   <p:notesSz cx="6858000" cy="9144000"/>
   <p:custDataLst>
-    <p:tags r:id="rId23"/>
+    <p:tags r:id="rId22"/>
   </p:custDataLst>
   <p:defaultTextStyle>
     <a:defPPr>
@@ -129,6 +128,22 @@
       </a:defRPr>
     </a:lvl9pPr>
   </p:defaultTextStyle>
+  <p:extLst>
+    <p:ext uri="{EFAFB233-063F-42B5-8137-9DF3F51BA10A}">
+      <p15:sldGuideLst xmlns:p15="http://schemas.microsoft.com/office/powerpoint/2012/main">
+        <p15:guide id="1" orient="horz" pos="2160">
+          <p15:clr>
+            <a:srgbClr val="A4A3A4"/>
+          </p15:clr>
+        </p15:guide>
+        <p15:guide id="2" pos="2880">
+          <p15:clr>
+            <a:srgbClr val="A4A3A4"/>
+          </p15:clr>
+        </p15:guide>
+      </p15:sldGuideLst>
+    </p:ext>
+  </p:extLst>
 </p:presentation>
 </file>
 
@@ -214,7 +229,7 @@
           <a:p>
             <a:fld id="{132713B8-E49A-41D1-88B6-B310770581C8}" type="datetimeFigureOut">
               <a:rPr kumimoji="1" lang="ja-JP" altLang="en-US" smtClean="0"/>
-              <a:t>2014/7/20</a:t>
+              <a:t>2015/7/13</a:t>
             </a:fld>
             <a:endParaRPr kumimoji="1" lang="ja-JP" altLang="en-US"/>
           </a:p>
@@ -818,7 +833,7 @@
             <a:fld id="{C120A1B4-3412-4C96-ACAA-DBDB2A910CC9}" type="datetimeFigureOut">
               <a:rPr kumimoji="1" lang="ja-JP" altLang="en-US" smtClean="0"/>
               <a:pPr/>
-              <a:t>2014/7/20</a:t>
+              <a:t>2015/7/13</a:t>
             </a:fld>
             <a:endParaRPr kumimoji="1" lang="ja-JP" altLang="en-US"/>
           </a:p>
@@ -1064,7 +1079,7 @@
                 </a:solidFill>
               </a:rPr>
               <a:pPr/>
-              <a:t>2014/7/20</a:t>
+              <a:t>2015/7/13</a:t>
             </a:fld>
             <a:endParaRPr kumimoji="1" lang="ja-JP" altLang="en-US">
               <a:solidFill>
@@ -1300,7 +1315,7 @@
                 </a:solidFill>
               </a:rPr>
               <a:pPr/>
-              <a:t>2014/7/20</a:t>
+              <a:t>2015/7/13</a:t>
             </a:fld>
             <a:endParaRPr kumimoji="1" lang="ja-JP" altLang="en-US">
               <a:solidFill>
@@ -1594,7 +1609,7 @@
                 </a:solidFill>
               </a:rPr>
               <a:pPr/>
-              <a:t>2014/7/20</a:t>
+              <a:t>2015/7/13</a:t>
             </a:fld>
             <a:endParaRPr kumimoji="1" lang="ja-JP" altLang="en-US">
               <a:solidFill>
@@ -2073,7 +2088,7 @@
                 </a:solidFill>
               </a:rPr>
               <a:pPr/>
-              <a:t>2014/7/20</a:t>
+              <a:t>2015/7/13</a:t>
             </a:fld>
             <a:endParaRPr kumimoji="1" lang="ja-JP" altLang="en-US">
               <a:solidFill>
@@ -2398,7 +2413,7 @@
                 </a:solidFill>
               </a:rPr>
               <a:pPr/>
-              <a:t>2014/7/20</a:t>
+              <a:t>2015/7/13</a:t>
             </a:fld>
             <a:endParaRPr kumimoji="1" lang="ja-JP" altLang="en-US">
               <a:solidFill>
@@ -2717,7 +2732,7 @@
                 </a:solidFill>
               </a:rPr>
               <a:pPr/>
-              <a:t>2014/7/20</a:t>
+              <a:t>2015/7/13</a:t>
             </a:fld>
             <a:endParaRPr kumimoji="1" lang="ja-JP" altLang="en-US">
               <a:solidFill>
@@ -2931,7 +2946,7 @@
                 </a:solidFill>
               </a:rPr>
               <a:pPr/>
-              <a:t>2014/7/20</a:t>
+              <a:t>2015/7/13</a:t>
             </a:fld>
             <a:endParaRPr kumimoji="1" lang="ja-JP" altLang="en-US">
               <a:solidFill>
@@ -3048,7 +3063,7 @@
                 </a:solidFill>
               </a:rPr>
               <a:pPr/>
-              <a:t>2014/7/20</a:t>
+              <a:t>2015/7/13</a:t>
             </a:fld>
             <a:endParaRPr kumimoji="1" lang="ja-JP" altLang="en-US">
               <a:solidFill>
@@ -3211,7 +3226,7 @@
                 </a:solidFill>
               </a:rPr>
               <a:pPr/>
-              <a:t>2014/7/20</a:t>
+              <a:t>2015/7/13</a:t>
             </a:fld>
             <a:endParaRPr kumimoji="1" lang="ja-JP" altLang="en-US">
               <a:solidFill>
@@ -3796,7 +3811,7 @@
                 </a:solidFill>
               </a:rPr>
               <a:pPr/>
-              <a:t>2014/7/20</a:t>
+              <a:t>2015/7/13</a:t>
             </a:fld>
             <a:endParaRPr kumimoji="1" lang="ja-JP" altLang="en-US">
               <a:solidFill>
@@ -4108,7 +4123,7 @@
                 </a:solidFill>
               </a:rPr>
               <a:pPr/>
-              <a:t>2014/7/20</a:t>
+              <a:t>2015/7/13</a:t>
             </a:fld>
             <a:endParaRPr kumimoji="1" lang="ja-JP" altLang="en-US">
               <a:solidFill>
@@ -4689,8 +4704,8 @@
           <a:lstStyle/>
           <a:p>
             <a:r>
-              <a:rPr lang="en-US" altLang="ja-JP" dirty="0" smtClean="0"/>
-              <a:t>@dc1394</a:t>
+              <a:rPr lang="en-US" altLang="ja-JP" smtClean="0"/>
+              <a:t>2015/7/13 @dc1394</a:t>
             </a:r>
             <a:endParaRPr kumimoji="1" lang="ja-JP" altLang="en-US" dirty="0"/>
           </a:p>
@@ -4782,419 +4797,6 @@
         </p:nvSpPr>
         <p:spPr/>
         <p:txBody>
-          <a:bodyPr>
-            <a:normAutofit/>
-          </a:bodyPr>
-          <a:lstStyle/>
-          <a:p>
-            <a:r>
-              <a:rPr kumimoji="1" lang="ja-JP" altLang="en-US" dirty="0" smtClean="0"/>
-              <a:t>反復法の収束の判定</a:t>
-            </a:r>
-            <a:endParaRPr kumimoji="1" lang="ja-JP" altLang="en-US" dirty="0"/>
-          </a:p>
-        </p:txBody>
-      </p:sp>
-      <p:sp>
-        <p:nvSpPr>
-          <p:cNvPr id="3" name="コンテンツ プレースホルダー 2"/>
-          <p:cNvSpPr>
-            <a:spLocks noGrp="1"/>
-          </p:cNvSpPr>
-          <p:nvPr>
-            <p:ph sz="quarter" idx="1"/>
-          </p:nvPr>
-        </p:nvSpPr>
-        <p:spPr/>
-        <p:txBody>
-          <a:bodyPr>
-            <a:normAutofit/>
-          </a:bodyPr>
-          <a:lstStyle/>
-          <a:p>
-            <a:r>
-              <a:rPr lang="en-US" altLang="ja-JP" dirty="0" smtClean="0">
-                <a:solidFill>
-                  <a:prstClr val="black"/>
-                </a:solidFill>
-              </a:rPr>
-              <a:t>y</a:t>
-            </a:r>
-            <a:r>
-              <a:rPr lang="en-US" altLang="ja-JP" baseline="-25000" dirty="0" smtClean="0">
-                <a:solidFill>
-                  <a:prstClr val="black"/>
-                </a:solidFill>
-              </a:rPr>
-              <a:t>i</a:t>
-            </a:r>
-            <a:r>
-              <a:rPr lang="ja-JP" altLang="en-US" dirty="0" smtClean="0">
-                <a:solidFill>
-                  <a:prstClr val="black"/>
-                </a:solidFill>
-              </a:rPr>
-              <a:t>は（数値計算上は）ベクトルと見なせる。ここで、</a:t>
-            </a:r>
-            <a:r>
-              <a:rPr lang="en-US" altLang="ja-JP" dirty="0" smtClean="0">
-                <a:solidFill>
-                  <a:prstClr val="black"/>
-                </a:solidFill>
-              </a:rPr>
-              <a:t>y</a:t>
-            </a:r>
-            <a:r>
-              <a:rPr lang="en-US" altLang="ja-JP" baseline="-25000" dirty="0" smtClean="0">
-                <a:solidFill>
-                  <a:prstClr val="black"/>
-                </a:solidFill>
-              </a:rPr>
-              <a:t>i</a:t>
-            </a:r>
-            <a:r>
-              <a:rPr lang="en-US" altLang="ja-JP" baseline="30000" dirty="0" smtClean="0">
-                <a:solidFill>
-                  <a:prstClr val="black"/>
-                </a:solidFill>
-              </a:rPr>
-              <a:t>out</a:t>
-            </a:r>
-            <a:r>
-              <a:rPr lang="ja-JP" altLang="en-US" dirty="0"/>
-              <a:t>と</a:t>
-            </a:r>
-            <a:r>
-              <a:rPr lang="en-US" altLang="ja-JP" dirty="0" smtClean="0">
-                <a:solidFill>
-                  <a:prstClr val="black"/>
-                </a:solidFill>
-              </a:rPr>
-              <a:t>y</a:t>
-            </a:r>
-            <a:r>
-              <a:rPr lang="en-US" altLang="ja-JP" baseline="-25000" dirty="0" smtClean="0">
-                <a:solidFill>
-                  <a:prstClr val="black"/>
-                </a:solidFill>
-              </a:rPr>
-              <a:t>i</a:t>
-            </a:r>
-            <a:r>
-              <a:rPr lang="en-US" altLang="ja-JP" baseline="30000" dirty="0" smtClean="0">
-                <a:solidFill>
-                  <a:prstClr val="black"/>
-                </a:solidFill>
-              </a:rPr>
-              <a:t>in</a:t>
-            </a:r>
-            <a:r>
-              <a:rPr lang="ja-JP" altLang="en-US" dirty="0">
-                <a:solidFill>
-                  <a:prstClr val="black"/>
-                </a:solidFill>
-              </a:rPr>
-              <a:t>の</a:t>
-            </a:r>
-            <a:r>
-              <a:rPr lang="ja-JP" altLang="en-US" dirty="0" smtClean="0">
-                <a:solidFill>
-                  <a:prstClr val="black"/>
-                </a:solidFill>
-              </a:rPr>
-              <a:t>差の大きさを</a:t>
-            </a:r>
-            <a:r>
-              <a:rPr lang="en-US" altLang="ja-JP" dirty="0" err="1" smtClean="0">
-                <a:solidFill>
-                  <a:prstClr val="black"/>
-                </a:solidFill>
-              </a:rPr>
-              <a:t>IterationError</a:t>
-            </a:r>
-            <a:r>
-              <a:rPr lang="ja-JP" altLang="en-US" dirty="0" smtClean="0">
-                <a:solidFill>
-                  <a:prstClr val="black"/>
-                </a:solidFill>
-              </a:rPr>
-              <a:t>と適当に名付け、</a:t>
-            </a:r>
-            <a:r>
-              <a:rPr lang="en-US" altLang="ja-JP" dirty="0" err="1" smtClean="0">
-                <a:solidFill>
-                  <a:prstClr val="black"/>
-                </a:solidFill>
-              </a:rPr>
-              <a:t>IterationError</a:t>
-            </a:r>
-            <a:r>
-              <a:rPr lang="en-US" altLang="ja-JP" dirty="0" smtClean="0">
-                <a:solidFill>
-                  <a:prstClr val="black"/>
-                </a:solidFill>
-              </a:rPr>
-              <a:t> = |</a:t>
-            </a:r>
-            <a:r>
-              <a:rPr lang="en-US" altLang="ja-JP" b="1" dirty="0" smtClean="0">
-                <a:solidFill>
-                  <a:prstClr val="black"/>
-                </a:solidFill>
-              </a:rPr>
-              <a:t>y</a:t>
-            </a:r>
-            <a:r>
-              <a:rPr lang="en-US" altLang="ja-JP" baseline="-25000" dirty="0" smtClean="0">
-                <a:solidFill>
-                  <a:prstClr val="black"/>
-                </a:solidFill>
-              </a:rPr>
-              <a:t>i</a:t>
-            </a:r>
-            <a:r>
-              <a:rPr lang="en-US" altLang="ja-JP" baseline="30000" dirty="0" smtClean="0">
-                <a:solidFill>
-                  <a:prstClr val="black"/>
-                </a:solidFill>
-              </a:rPr>
-              <a:t>out</a:t>
-            </a:r>
-            <a:r>
-              <a:rPr lang="ja-JP" altLang="en-US" baseline="30000" dirty="0" smtClean="0">
-                <a:solidFill>
-                  <a:prstClr val="black"/>
-                </a:solidFill>
-              </a:rPr>
-              <a:t>　</a:t>
-            </a:r>
-            <a:r>
-              <a:rPr lang="en-US" altLang="ja-JP" dirty="0" smtClean="0">
-                <a:solidFill>
-                  <a:prstClr val="black"/>
-                </a:solidFill>
-              </a:rPr>
-              <a:t>–</a:t>
-            </a:r>
-            <a:r>
-              <a:rPr lang="en-US" altLang="ja-JP" baseline="30000" dirty="0" smtClean="0">
-                <a:solidFill>
-                  <a:prstClr val="black"/>
-                </a:solidFill>
-              </a:rPr>
-              <a:t> </a:t>
-            </a:r>
-            <a:r>
-              <a:rPr lang="en-US" altLang="ja-JP" b="1" dirty="0" smtClean="0">
-                <a:solidFill>
-                  <a:prstClr val="black"/>
-                </a:solidFill>
-              </a:rPr>
-              <a:t>y</a:t>
-            </a:r>
-            <a:r>
-              <a:rPr lang="en-US" altLang="ja-JP" baseline="-25000" dirty="0" smtClean="0">
-                <a:solidFill>
-                  <a:prstClr val="black"/>
-                </a:solidFill>
-              </a:rPr>
-              <a:t>i</a:t>
-            </a:r>
-            <a:r>
-              <a:rPr lang="en-US" altLang="ja-JP" baseline="30000" dirty="0" smtClean="0">
-                <a:solidFill>
-                  <a:prstClr val="black"/>
-                </a:solidFill>
-              </a:rPr>
-              <a:t>in</a:t>
-            </a:r>
-            <a:r>
-              <a:rPr lang="en-US" altLang="ja-JP" dirty="0" smtClean="0">
-                <a:solidFill>
-                  <a:prstClr val="black"/>
-                </a:solidFill>
-              </a:rPr>
-              <a:t>|</a:t>
-            </a:r>
-            <a:r>
-              <a:rPr lang="ja-JP" altLang="en-US" dirty="0" smtClean="0">
-                <a:solidFill>
-                  <a:prstClr val="black"/>
-                </a:solidFill>
-              </a:rPr>
-              <a:t>と定義する。</a:t>
-            </a:r>
-            <a:endParaRPr lang="en-US" altLang="ja-JP" dirty="0" smtClean="0">
-              <a:solidFill>
-                <a:prstClr val="black"/>
-              </a:solidFill>
-            </a:endParaRPr>
-          </a:p>
-          <a:p>
-            <a:r>
-              <a:rPr lang="ja-JP" altLang="en-US" dirty="0" smtClean="0">
-                <a:solidFill>
-                  <a:prstClr val="black"/>
-                </a:solidFill>
-              </a:rPr>
-              <a:t>この</a:t>
-            </a:r>
-            <a:r>
-              <a:rPr lang="en-US" altLang="ja-JP" dirty="0" err="1">
-                <a:solidFill>
-                  <a:prstClr val="black"/>
-                </a:solidFill>
-              </a:rPr>
-              <a:t>IterationError</a:t>
-            </a:r>
-            <a:r>
-              <a:rPr lang="ja-JP" altLang="en-US" dirty="0" smtClean="0">
-                <a:solidFill>
-                  <a:prstClr val="black"/>
-                </a:solidFill>
-              </a:rPr>
-              <a:t>がある閾値（</a:t>
-            </a:r>
-            <a:r>
-              <a:rPr lang="en-US" altLang="ja-JP" dirty="0" smtClean="0">
-                <a:solidFill>
-                  <a:prstClr val="black"/>
-                </a:solidFill>
-              </a:rPr>
-              <a:t>ε</a:t>
-            </a:r>
-            <a:r>
-              <a:rPr lang="ja-JP" altLang="en-US" dirty="0" smtClean="0">
-                <a:solidFill>
-                  <a:prstClr val="black"/>
-                </a:solidFill>
-              </a:rPr>
-              <a:t>）未満になった場合（</a:t>
-            </a:r>
-            <a:r>
-              <a:rPr lang="en-US" altLang="ja-JP" dirty="0" err="1">
-                <a:solidFill>
-                  <a:prstClr val="black"/>
-                </a:solidFill>
-              </a:rPr>
-              <a:t>IterationError</a:t>
-            </a:r>
-            <a:r>
-              <a:rPr lang="en-US" altLang="ja-JP" dirty="0">
-                <a:solidFill>
-                  <a:prstClr val="black"/>
-                </a:solidFill>
-              </a:rPr>
-              <a:t> </a:t>
-            </a:r>
-            <a:r>
-              <a:rPr lang="en-US" altLang="ja-JP" dirty="0" smtClean="0">
-                <a:solidFill>
-                  <a:prstClr val="black"/>
-                </a:solidFill>
-              </a:rPr>
-              <a:t>&lt; </a:t>
-            </a:r>
-            <a:r>
-              <a:rPr lang="en-US" altLang="ja-JP" dirty="0">
-                <a:solidFill>
-                  <a:prstClr val="black"/>
-                </a:solidFill>
-              </a:rPr>
-              <a:t>ε</a:t>
-            </a:r>
-            <a:r>
-              <a:rPr lang="ja-JP" altLang="en-US" dirty="0" smtClean="0">
-                <a:solidFill>
-                  <a:prstClr val="black"/>
-                </a:solidFill>
-              </a:rPr>
-              <a:t>）、収束したと判定する。</a:t>
-            </a:r>
-            <a:endParaRPr kumimoji="1" lang="en-US" altLang="ja-JP" dirty="0" smtClean="0"/>
-          </a:p>
-          <a:p>
-            <a:r>
-              <a:rPr lang="en-US" altLang="ja-JP" dirty="0" err="1"/>
-              <a:t>IterationError</a:t>
-            </a:r>
-            <a:r>
-              <a:rPr lang="ja-JP" altLang="en-US" dirty="0" smtClean="0"/>
-              <a:t>は、どうがんばっても</a:t>
-            </a:r>
-            <a:r>
-              <a:rPr lang="en-US" altLang="ja-JP" dirty="0" smtClean="0"/>
-              <a:t>10</a:t>
-            </a:r>
-            <a:r>
-              <a:rPr lang="en-US" altLang="ja-JP" baseline="30000" dirty="0" smtClean="0"/>
-              <a:t>-12</a:t>
-            </a:r>
-            <a:r>
-              <a:rPr lang="ja-JP" altLang="en-US" dirty="0" smtClean="0"/>
-              <a:t>程度以下には下がらないので、</a:t>
-            </a:r>
-            <a:r>
-              <a:rPr lang="en-US" altLang="ja-JP" dirty="0" smtClean="0"/>
-              <a:t>ε</a:t>
-            </a:r>
-            <a:r>
-              <a:rPr lang="ja-JP" altLang="en-US" dirty="0" smtClean="0"/>
-              <a:t>もその程度とする（絶対的な誤差基準よりもむしろ、相対的な誤差基準を使うべきかもしれない）。</a:t>
-            </a:r>
-            <a:endParaRPr lang="en-US" altLang="ja-JP" dirty="0" smtClean="0"/>
-          </a:p>
-        </p:txBody>
-      </p:sp>
-    </p:spTree>
-    <p:extLst>
-      <p:ext uri="{BB962C8B-B14F-4D97-AF65-F5344CB8AC3E}">
-        <p14:creationId xmlns:p14="http://schemas.microsoft.com/office/powerpoint/2010/main" val="3194367450"/>
-      </p:ext>
-    </p:extLst>
-  </p:cSld>
-  <p:clrMapOvr>
-    <a:masterClrMapping/>
-  </p:clrMapOvr>
-  <p:timing>
-    <p:tnLst>
-      <p:par>
-        <p:cTn id="1" dur="indefinite" restart="never" nodeType="tmRoot"/>
-      </p:par>
-    </p:tnLst>
-  </p:timing>
-</p:sld>
-</file>
-
-<file path=ppt/slides/slide11.xml><?xml version="1.0" encoding="utf-8"?>
-<p:sld xmlns:a="http://schemas.openxmlformats.org/drawingml/2006/main" xmlns:r="http://schemas.openxmlformats.org/officeDocument/2006/relationships" xmlns:p="http://schemas.openxmlformats.org/presentationml/2006/main">
-  <p:cSld>
-    <p:spTree>
-      <p:nvGrpSpPr>
-        <p:cNvPr id="1" name=""/>
-        <p:cNvGrpSpPr/>
-        <p:nvPr/>
-      </p:nvGrpSpPr>
-      <p:grpSpPr>
-        <a:xfrm>
-          <a:off x="0" y="0"/>
-          <a:ext cx="0" cy="0"/>
-          <a:chOff x="0" y="0"/>
-          <a:chExt cx="0" cy="0"/>
-        </a:xfrm>
-      </p:grpSpPr>
-      <p:sp>
-        <p:nvSpPr>
-          <p:cNvPr id="2" name="タイトル 1"/>
-          <p:cNvSpPr>
-            <a:spLocks noGrp="1"/>
-          </p:cNvSpPr>
-          <p:nvPr>
-            <p:ph type="title"/>
-          </p:nvPr>
-        </p:nvSpPr>
-        <p:spPr/>
-        <p:txBody>
           <a:bodyPr/>
           <a:lstStyle/>
           <a:p>
@@ -5407,7 +5009,7 @@
 </p:sld>
 </file>
 
-<file path=ppt/slides/slide12.xml><?xml version="1.0" encoding="utf-8"?>
+<file path=ppt/slides/slide11.xml><?xml version="1.0" encoding="utf-8"?>
 <p:sld xmlns:a="http://schemas.openxmlformats.org/drawingml/2006/main" xmlns:r="http://schemas.openxmlformats.org/officeDocument/2006/relationships" xmlns:p="http://schemas.openxmlformats.org/presentationml/2006/main">
   <p:cSld>
     <p:spTree>
@@ -6290,7 +5892,7 @@
 </p:sld>
 </file>
 
-<file path=ppt/slides/slide13.xml><?xml version="1.0" encoding="utf-8"?>
+<file path=ppt/slides/slide12.xml><?xml version="1.0" encoding="utf-8"?>
 <p:sld xmlns:a="http://schemas.openxmlformats.org/drawingml/2006/main" xmlns:r="http://schemas.openxmlformats.org/officeDocument/2006/relationships" xmlns:p="http://schemas.openxmlformats.org/presentationml/2006/main">
   <p:cSld>
     <p:spTree>
@@ -6582,7 +6184,7 @@
 </p:sld>
 </file>
 
-<file path=ppt/slides/slide14.xml><?xml version="1.0" encoding="utf-8"?>
+<file path=ppt/slides/slide13.xml><?xml version="1.0" encoding="utf-8"?>
 <p:sld xmlns:a="http://schemas.openxmlformats.org/drawingml/2006/main" xmlns:r="http://schemas.openxmlformats.org/officeDocument/2006/relationships" xmlns:p="http://schemas.openxmlformats.org/presentationml/2006/main">
   <p:cSld>
     <p:spTree>
@@ -6671,7 +6273,7 @@
 </p:sld>
 </file>
 
-<file path=ppt/slides/slide15.xml><?xml version="1.0" encoding="utf-8"?>
+<file path=ppt/slides/slide14.xml><?xml version="1.0" encoding="utf-8"?>
 <p:sld xmlns:a="http://schemas.openxmlformats.org/drawingml/2006/main" xmlns:r="http://schemas.openxmlformats.org/officeDocument/2006/relationships" xmlns:p="http://schemas.openxmlformats.org/presentationml/2006/main">
   <p:cSld>
     <p:spTree>
@@ -6766,7 +6368,7 @@
 </p:sld>
 </file>
 
-<file path=ppt/slides/slide16.xml><?xml version="1.0" encoding="utf-8"?>
+<file path=ppt/slides/slide15.xml><?xml version="1.0" encoding="utf-8"?>
 <p:sld xmlns:a="http://schemas.openxmlformats.org/drawingml/2006/main" xmlns:r="http://schemas.openxmlformats.org/officeDocument/2006/relationships" xmlns:p="http://schemas.openxmlformats.org/presentationml/2006/main">
   <p:cSld>
     <p:spTree>
@@ -6873,7 +6475,7 @@
 </p:sld>
 </file>
 
-<file path=ppt/slides/slide17.xml><?xml version="1.0" encoding="utf-8"?>
+<file path=ppt/slides/slide16.xml><?xml version="1.0" encoding="utf-8"?>
 <p:sld xmlns:a="http://schemas.openxmlformats.org/drawingml/2006/main" xmlns:r="http://schemas.openxmlformats.org/officeDocument/2006/relationships" xmlns:p="http://schemas.openxmlformats.org/presentationml/2006/main">
   <p:cSld>
     <p:spTree>
@@ -7119,7 +6721,7 @@
 </p:sld>
 </file>
 
-<file path=ppt/slides/slide18.xml><?xml version="1.0" encoding="utf-8"?>
+<file path=ppt/slides/slide17.xml><?xml version="1.0" encoding="utf-8"?>
 <p:sld xmlns:a="http://schemas.openxmlformats.org/drawingml/2006/main" xmlns:r="http://schemas.openxmlformats.org/officeDocument/2006/relationships" xmlns:p="http://schemas.openxmlformats.org/presentationml/2006/main">
   <p:cSld>
     <p:spTree>
@@ -7777,6 +7379,176 @@
 </p:sld>
 </file>
 
+<file path=ppt/slides/slide18.xml><?xml version="1.0" encoding="utf-8"?>
+<p:sld xmlns:a="http://schemas.openxmlformats.org/drawingml/2006/main" xmlns:r="http://schemas.openxmlformats.org/officeDocument/2006/relationships" xmlns:p="http://schemas.openxmlformats.org/presentationml/2006/main">
+  <p:cSld>
+    <p:spTree>
+      <p:nvGrpSpPr>
+        <p:cNvPr id="1" name=""/>
+        <p:cNvGrpSpPr/>
+        <p:nvPr/>
+      </p:nvGrpSpPr>
+      <p:grpSpPr>
+        <a:xfrm>
+          <a:off x="0" y="0"/>
+          <a:ext cx="0" cy="0"/>
+          <a:chOff x="0" y="0"/>
+          <a:chExt cx="0" cy="0"/>
+        </a:xfrm>
+      </p:grpSpPr>
+      <p:sp>
+        <p:nvSpPr>
+          <p:cNvPr id="2" name="タイトル 1"/>
+          <p:cNvSpPr>
+            <a:spLocks noGrp="1"/>
+          </p:cNvSpPr>
+          <p:nvPr>
+            <p:ph type="title"/>
+          </p:nvPr>
+        </p:nvSpPr>
+        <p:spPr/>
+        <p:txBody>
+          <a:bodyPr/>
+          <a:lstStyle/>
+          <a:p>
+            <a:r>
+              <a:rPr lang="ja-JP" altLang="en-US" smtClean="0"/>
+              <a:t>まとめ</a:t>
+            </a:r>
+            <a:endParaRPr lang="ja-JP" altLang="en-US" dirty="0"/>
+          </a:p>
+        </p:txBody>
+      </p:sp>
+      <p:sp>
+        <p:nvSpPr>
+          <p:cNvPr id="3" name="コンテンツ プレースホルダー 2"/>
+          <p:cNvSpPr>
+            <a:spLocks noGrp="1"/>
+          </p:cNvSpPr>
+          <p:nvPr>
+            <p:ph sz="quarter" idx="1"/>
+          </p:nvPr>
+        </p:nvSpPr>
+        <p:spPr/>
+        <p:txBody>
+          <a:bodyPr/>
+          <a:lstStyle/>
+          <a:p>
+            <a:r>
+              <a:rPr lang="en-US" altLang="ja-JP" dirty="0" smtClean="0"/>
+              <a:t>Thomas-Fermi</a:t>
+            </a:r>
+            <a:r>
+              <a:rPr lang="ja-JP" altLang="en-US" dirty="0" smtClean="0"/>
+              <a:t>方程式を有限要素（</a:t>
+            </a:r>
+            <a:r>
+              <a:rPr lang="en-US" altLang="ja-JP" dirty="0" smtClean="0"/>
+              <a:t>1</a:t>
+            </a:r>
+            <a:r>
+              <a:rPr lang="ja-JP" altLang="en-US" dirty="0" smtClean="0"/>
+              <a:t>次要素）による離散化と、反復法によって（数値的に）解いた。</a:t>
+            </a:r>
+            <a:endParaRPr lang="en-US" altLang="ja-JP" dirty="0" smtClean="0"/>
+          </a:p>
+          <a:p>
+            <a:r>
+              <a:rPr lang="ja-JP" altLang="en-US" dirty="0" smtClean="0"/>
+              <a:t>得られた結果は、文献の結果とほぼ一致していた。</a:t>
+            </a:r>
+            <a:endParaRPr lang="en-US" altLang="ja-JP" dirty="0" smtClean="0"/>
+          </a:p>
+          <a:p>
+            <a:r>
+              <a:rPr lang="ja-JP" altLang="en-US" dirty="0" smtClean="0"/>
+              <a:t>高速化をめざして、</a:t>
+            </a:r>
+            <a:r>
+              <a:rPr lang="en-US" altLang="ja-JP" dirty="0" smtClean="0"/>
+              <a:t>AVX</a:t>
+            </a:r>
+            <a:r>
+              <a:rPr lang="ja-JP" altLang="en-US" dirty="0" smtClean="0"/>
+              <a:t>によるベクトル化と、</a:t>
+            </a:r>
+            <a:r>
+              <a:rPr lang="en-US" altLang="ja-JP" dirty="0" smtClean="0"/>
+              <a:t>Intel </a:t>
+            </a:r>
+            <a:r>
+              <a:rPr lang="en-US" altLang="ja-JP" dirty="0" err="1" smtClean="0"/>
+              <a:t>Cilk</a:t>
+            </a:r>
+            <a:r>
+              <a:rPr lang="en-US" altLang="ja-JP" dirty="0" smtClean="0"/>
+              <a:t> Plus</a:t>
+            </a:r>
+            <a:r>
+              <a:rPr lang="ja-JP" altLang="en-US" dirty="0" smtClean="0"/>
+              <a:t>による並列化を試みた。</a:t>
+            </a:r>
+            <a:endParaRPr lang="en-US" altLang="ja-JP" dirty="0" smtClean="0"/>
+          </a:p>
+          <a:p>
+            <a:r>
+              <a:rPr lang="en-US" altLang="ja-JP" dirty="0" smtClean="0"/>
+              <a:t>AVX</a:t>
+            </a:r>
+            <a:r>
+              <a:rPr lang="ja-JP" altLang="en-US" dirty="0" smtClean="0"/>
+              <a:t>によるベクトル化は効果がなかったが、</a:t>
+            </a:r>
+            <a:r>
+              <a:rPr lang="en-US" altLang="ja-JP" dirty="0" smtClean="0"/>
+              <a:t>Intel </a:t>
+            </a:r>
+            <a:r>
+              <a:rPr lang="en-US" altLang="ja-JP" dirty="0" err="1" smtClean="0"/>
+              <a:t>Cilk</a:t>
+            </a:r>
+            <a:r>
+              <a:rPr lang="en-US" altLang="ja-JP" dirty="0" smtClean="0"/>
+              <a:t> Plus</a:t>
+            </a:r>
+            <a:r>
+              <a:rPr lang="ja-JP" altLang="en-US" dirty="0" smtClean="0"/>
+              <a:t>による並列化は非常に効果的であった。</a:t>
+            </a:r>
+            <a:endParaRPr lang="en-US" altLang="ja-JP" dirty="0" smtClean="0"/>
+          </a:p>
+          <a:p>
+            <a:r>
+              <a:rPr lang="ja-JP" altLang="en-US" dirty="0" smtClean="0"/>
+              <a:t>ベクトル化、並列化による誤差はほとんどなかった。</a:t>
+            </a:r>
+            <a:endParaRPr lang="en-US" altLang="ja-JP" dirty="0" smtClean="0"/>
+          </a:p>
+          <a:p>
+            <a:endParaRPr lang="ja-JP" altLang="en-US" dirty="0"/>
+          </a:p>
+        </p:txBody>
+      </p:sp>
+    </p:spTree>
+    <p:extLst>
+      <p:ext uri="{BB962C8B-B14F-4D97-AF65-F5344CB8AC3E}">
+        <p14:creationId xmlns:p14="http://schemas.microsoft.com/office/powerpoint/2010/main" val="4033363336"/>
+      </p:ext>
+    </p:extLst>
+  </p:cSld>
+  <p:clrMapOvr>
+    <a:masterClrMapping/>
+  </p:clrMapOvr>
+  <p:timing>
+    <p:tnLst>
+      <p:par>
+        <p:cTn id="1" dur="indefinite" restart="never" nodeType="tmRoot"/>
+      </p:par>
+    </p:tnLst>
+  </p:timing>
+</p:sld>
+</file>
+
 <file path=ppt/slides/slide19.xml><?xml version="1.0" encoding="utf-8"?>
 <p:sld xmlns:a="http://schemas.openxmlformats.org/drawingml/2006/main" xmlns:r="http://schemas.openxmlformats.org/officeDocument/2006/relationships" xmlns:p="http://schemas.openxmlformats.org/presentationml/2006/main">
   <p:cSld>
@@ -7810,10 +7582,10 @@
           <a:lstStyle/>
           <a:p>
             <a:r>
-              <a:rPr lang="ja-JP" altLang="en-US" smtClean="0"/>
-              <a:t>まとめ</a:t>
-            </a:r>
-            <a:endParaRPr lang="ja-JP" altLang="en-US" dirty="0"/>
+              <a:rPr kumimoji="1" lang="ja-JP" altLang="en-US" dirty="0" smtClean="0"/>
+              <a:t>参考サイト</a:t>
+            </a:r>
+            <a:endParaRPr kumimoji="1" lang="ja-JP" altLang="en-US" dirty="0"/>
           </a:p>
         </p:txBody>
       </p:sp>
@@ -7833,104 +7605,51 @@
           <a:lstStyle/>
           <a:p>
             <a:r>
+              <a:rPr kumimoji="1" lang="en-US" altLang="ja-JP" dirty="0" smtClean="0"/>
+              <a:t>Internet-College of Finite </a:t>
+            </a:r>
+            <a:r>
+              <a:rPr lang="en-US" altLang="ja-JP" dirty="0"/>
+              <a:t>Element Method: http://</a:t>
+            </a:r>
+            <a:r>
               <a:rPr lang="en-US" altLang="ja-JP" dirty="0" smtClean="0"/>
-              <a:t>Thomas-Fermi</a:t>
-            </a:r>
-            <a:r>
-              <a:rPr lang="ja-JP" altLang="en-US" dirty="0" smtClean="0"/>
-              <a:t>方程式を有限要素（</a:t>
-            </a:r>
-            <a:r>
-              <a:rPr lang="en-US" altLang="ja-JP" dirty="0" smtClean="0"/>
-              <a:t>1</a:t>
-            </a:r>
-            <a:r>
-              <a:rPr lang="ja-JP" altLang="en-US" dirty="0" smtClean="0"/>
-              <a:t>次要素）による離散化と、反復法によって（数値的に）解いた。</a:t>
-            </a:r>
-            <a:endParaRPr lang="en-US" altLang="ja-JP" dirty="0" smtClean="0"/>
-          </a:p>
-          <a:p>
-            <a:r>
-              <a:rPr lang="ja-JP" altLang="en-US" dirty="0" smtClean="0"/>
-              <a:t>得られた結果は、文献の結果とほぼ一致していた。</a:t>
-            </a:r>
-            <a:endParaRPr lang="en-US" altLang="ja-JP" dirty="0" smtClean="0"/>
-          </a:p>
-          <a:p>
-            <a:r>
-              <a:rPr lang="ja-JP" altLang="en-US" dirty="0" smtClean="0"/>
-              <a:t>高速化をめざして、</a:t>
-            </a:r>
-            <a:r>
-              <a:rPr lang="en-US" altLang="ja-JP" dirty="0" smtClean="0"/>
-              <a:t>AVX</a:t>
-            </a:r>
-            <a:r>
-              <a:rPr lang="ja-JP" altLang="en-US" dirty="0" smtClean="0"/>
-              <a:t>によるベクトル化と、</a:t>
-            </a:r>
-            <a:r>
-              <a:rPr lang="en-US" altLang="ja-JP" dirty="0" smtClean="0"/>
-              <a:t>Intel </a:t>
-            </a:r>
-            <a:r>
-              <a:rPr lang="en-US" altLang="ja-JP" dirty="0" err="1" smtClean="0"/>
-              <a:t>Cilk</a:t>
-            </a:r>
-            <a:r>
-              <a:rPr lang="en-US" altLang="ja-JP" dirty="0" smtClean="0"/>
-              <a:t> Plus</a:t>
-            </a:r>
-            <a:r>
-              <a:rPr lang="ja-JP" altLang="en-US" dirty="0" smtClean="0"/>
-              <a:t>による並列化を試みた。</a:t>
-            </a:r>
-            <a:endParaRPr lang="en-US" altLang="ja-JP" dirty="0" smtClean="0"/>
-          </a:p>
-          <a:p>
-            <a:r>
-              <a:rPr lang="en-US" altLang="ja-JP" dirty="0" smtClean="0"/>
-              <a:t>AVX</a:t>
-            </a:r>
-            <a:r>
-              <a:rPr lang="ja-JP" altLang="en-US" dirty="0" smtClean="0"/>
-              <a:t>によるベクトル化は効果がなかったが、</a:t>
-            </a:r>
-            <a:r>
-              <a:rPr lang="en-US" altLang="ja-JP" dirty="0" smtClean="0"/>
-              <a:t>Intel </a:t>
-            </a:r>
-            <a:r>
-              <a:rPr lang="en-US" altLang="ja-JP" dirty="0" err="1" smtClean="0"/>
-              <a:t>Cilk</a:t>
-            </a:r>
-            <a:r>
-              <a:rPr lang="en-US" altLang="ja-JP" dirty="0" smtClean="0"/>
-              <a:t> Plus</a:t>
-            </a:r>
-            <a:r>
-              <a:rPr lang="ja-JP" altLang="en-US" dirty="0" smtClean="0"/>
-              <a:t>による並列化は非常に効果的であった。</a:t>
-            </a:r>
-            <a:endParaRPr lang="en-US" altLang="ja-JP" dirty="0" smtClean="0"/>
-          </a:p>
-          <a:p>
-            <a:r>
-              <a:rPr lang="ja-JP" altLang="en-US" dirty="0" smtClean="0"/>
-              <a:t>ベクトル化、並列化による誤差はほとんどなかった。</a:t>
-            </a:r>
-            <a:endParaRPr lang="en-US" altLang="ja-JP" dirty="0" smtClean="0"/>
-          </a:p>
-          <a:p>
-            <a:endParaRPr lang="ja-JP" altLang="en-US" dirty="0"/>
+              <a:t>www.fem.gr.jp/index.html</a:t>
+            </a:r>
+          </a:p>
+          <a:p>
+            <a:r>
+              <a:rPr lang="ja-JP" altLang="en-US" dirty="0"/>
+              <a:t>有限要素法プログラミング演習（</a:t>
+            </a:r>
+            <a:r>
+              <a:rPr lang="en-US" altLang="ja-JP" dirty="0" err="1"/>
+              <a:t>fortran</a:t>
+            </a:r>
+            <a:r>
+              <a:rPr lang="en-US" altLang="ja-JP" dirty="0"/>
+              <a:t>, C </a:t>
+            </a:r>
+            <a:r>
+              <a:rPr lang="ja-JP" altLang="en-US" dirty="0"/>
+              <a:t>のソースコードつき）（開発版</a:t>
+            </a:r>
+            <a:r>
+              <a:rPr lang="ja-JP" altLang="en-US" dirty="0" smtClean="0"/>
+              <a:t>）</a:t>
+            </a:r>
+            <a:r>
+              <a:rPr lang="en-US" altLang="ja-JP" dirty="0"/>
+              <a:t>: http://www.sml.k.u-tokyo.ac.jp/members/nabe/FEM/fem.html</a:t>
+            </a:r>
+            <a:endParaRPr kumimoji="1" lang="ja-JP" altLang="en-US" dirty="0"/>
           </a:p>
         </p:txBody>
       </p:sp>
     </p:spTree>
     <p:extLst>
       <p:ext uri="{BB962C8B-B14F-4D97-AF65-F5344CB8AC3E}">
-        <p14:creationId xmlns:p14="http://schemas.microsoft.com/office/powerpoint/2010/main" val="4033363336"/>
+        <p14:creationId xmlns:p14="http://schemas.microsoft.com/office/powerpoint/2010/main" val="2519575391"/>
       </p:ext>
     </p:extLst>
   </p:cSld>
@@ -8115,123 +7834,6 @@
     <p:extLst>
       <p:ext uri="{BB962C8B-B14F-4D97-AF65-F5344CB8AC3E}">
         <p14:creationId xmlns:p14="http://schemas.microsoft.com/office/powerpoint/2010/main" val="4279786510"/>
-      </p:ext>
-    </p:extLst>
-  </p:cSld>
-  <p:clrMapOvr>
-    <a:masterClrMapping/>
-  </p:clrMapOvr>
-  <p:timing>
-    <p:tnLst>
-      <p:par>
-        <p:cTn id="1" dur="indefinite" restart="never" nodeType="tmRoot"/>
-      </p:par>
-    </p:tnLst>
-  </p:timing>
-</p:sld>
-</file>
-
-<file path=ppt/slides/slide20.xml><?xml version="1.0" encoding="utf-8"?>
-<p:sld xmlns:a="http://schemas.openxmlformats.org/drawingml/2006/main" xmlns:r="http://schemas.openxmlformats.org/officeDocument/2006/relationships" xmlns:p="http://schemas.openxmlformats.org/presentationml/2006/main">
-  <p:cSld>
-    <p:spTree>
-      <p:nvGrpSpPr>
-        <p:cNvPr id="1" name=""/>
-        <p:cNvGrpSpPr/>
-        <p:nvPr/>
-      </p:nvGrpSpPr>
-      <p:grpSpPr>
-        <a:xfrm>
-          <a:off x="0" y="0"/>
-          <a:ext cx="0" cy="0"/>
-          <a:chOff x="0" y="0"/>
-          <a:chExt cx="0" cy="0"/>
-        </a:xfrm>
-      </p:grpSpPr>
-      <p:sp>
-        <p:nvSpPr>
-          <p:cNvPr id="2" name="タイトル 1"/>
-          <p:cNvSpPr>
-            <a:spLocks noGrp="1"/>
-          </p:cNvSpPr>
-          <p:nvPr>
-            <p:ph type="title"/>
-          </p:nvPr>
-        </p:nvSpPr>
-        <p:spPr/>
-        <p:txBody>
-          <a:bodyPr/>
-          <a:lstStyle/>
-          <a:p>
-            <a:r>
-              <a:rPr kumimoji="1" lang="ja-JP" altLang="en-US" dirty="0" smtClean="0"/>
-              <a:t>参考サイト</a:t>
-            </a:r>
-            <a:endParaRPr kumimoji="1" lang="ja-JP" altLang="en-US" dirty="0"/>
-          </a:p>
-        </p:txBody>
-      </p:sp>
-      <p:sp>
-        <p:nvSpPr>
-          <p:cNvPr id="3" name="コンテンツ プレースホルダー 2"/>
-          <p:cNvSpPr>
-            <a:spLocks noGrp="1"/>
-          </p:cNvSpPr>
-          <p:nvPr>
-            <p:ph sz="quarter" idx="1"/>
-          </p:nvPr>
-        </p:nvSpPr>
-        <p:spPr/>
-        <p:txBody>
-          <a:bodyPr/>
-          <a:lstStyle/>
-          <a:p>
-            <a:r>
-              <a:rPr kumimoji="1" lang="en-US" altLang="ja-JP" dirty="0" smtClean="0"/>
-              <a:t>Internet-College of Finite </a:t>
-            </a:r>
-            <a:r>
-              <a:rPr lang="en-US" altLang="ja-JP" dirty="0"/>
-              <a:t>Element Method: http://</a:t>
-            </a:r>
-            <a:r>
-              <a:rPr lang="en-US" altLang="ja-JP" dirty="0" smtClean="0"/>
-              <a:t>www.fem.gr.jp/index.html</a:t>
-            </a:r>
-          </a:p>
-          <a:p>
-            <a:r>
-              <a:rPr lang="ja-JP" altLang="en-US" dirty="0"/>
-              <a:t>有限要素法プログラミング演習（</a:t>
-            </a:r>
-            <a:r>
-              <a:rPr lang="en-US" altLang="ja-JP" dirty="0" err="1"/>
-              <a:t>fortran</a:t>
-            </a:r>
-            <a:r>
-              <a:rPr lang="en-US" altLang="ja-JP" dirty="0"/>
-              <a:t>, C </a:t>
-            </a:r>
-            <a:r>
-              <a:rPr lang="ja-JP" altLang="en-US" dirty="0"/>
-              <a:t>のソースコードつき）（開発版</a:t>
-            </a:r>
-            <a:r>
-              <a:rPr lang="ja-JP" altLang="en-US" dirty="0" smtClean="0"/>
-              <a:t>）</a:t>
-            </a:r>
-            <a:r>
-              <a:rPr lang="en-US" altLang="ja-JP" dirty="0"/>
-              <a:t>: http://www.sml.k.u-tokyo.ac.jp/members/nabe/FEM/fem.html</a:t>
-            </a:r>
-            <a:endParaRPr kumimoji="1" lang="ja-JP" altLang="en-US" dirty="0"/>
-          </a:p>
-        </p:txBody>
-      </p:sp>
-    </p:spTree>
-    <p:extLst>
-      <p:ext uri="{BB962C8B-B14F-4D97-AF65-F5344CB8AC3E}">
-        <p14:creationId xmlns:p14="http://schemas.microsoft.com/office/powerpoint/2010/main" val="2519575391"/>
       </p:ext>
     </p:extLst>
   </p:cSld>
@@ -9010,23 +8612,15 @@
           <a:p>
             <a:r>
               <a:rPr kumimoji="1" lang="ja-JP" altLang="en-US" dirty="0" smtClean="0"/>
-              <a:t>これで、原点にごく近い点での振る舞いと、遠方での振る舞いが分かった</a:t>
+              <a:t>これで、原点にごく近い点での振る舞いと、遠方での振る舞いが分かった。</a:t>
+            </a:r>
+            <a:r>
+              <a:rPr lang="ja-JP" altLang="en-US" dirty="0" smtClean="0"/>
+              <a:t>結局、</a:t>
             </a:r>
             <a:r>
               <a:rPr kumimoji="1" lang="ja-JP" altLang="en-US" dirty="0" smtClean="0"/>
-              <a:t>。</a:t>
-            </a:r>
-            <a:r>
-              <a:rPr lang="ja-JP" altLang="en-US" dirty="0" smtClean="0"/>
-              <a:t>結局、</a:t>
-            </a:r>
-            <a:r>
-              <a:rPr kumimoji="1" lang="ja-JP" altLang="en-US" dirty="0" smtClean="0"/>
-              <a:t>常</a:t>
-            </a:r>
-            <a:r>
-              <a:rPr kumimoji="1" lang="ja-JP" altLang="en-US" dirty="0" smtClean="0"/>
-              <a:t>微分方程式の</a:t>
+              <a:t>常微分方程式の</a:t>
             </a:r>
             <a:r>
               <a:rPr kumimoji="1" lang="en-US" altLang="ja-JP" dirty="0" smtClean="0"/>
@@ -9061,11 +8655,7 @@
             </a:r>
             <a:r>
               <a:rPr lang="ja-JP" altLang="en-US" smtClean="0"/>
-              <a:t>微分</a:t>
-            </a:r>
-            <a:r>
-              <a:rPr lang="ja-JP" altLang="en-US" smtClean="0"/>
-              <a:t>方程式となっていることである。</a:t>
+              <a:t>微分方程式となっていることである。</a:t>
             </a:r>
             <a:endParaRPr lang="en-US" altLang="ja-JP" dirty="0" smtClean="0"/>
           </a:p>
@@ -9774,6 +9364,38 @@
         </p:nvSpPr>
         <p:spPr/>
         <p:txBody>
+          <a:bodyPr/>
+          <a:lstStyle/>
+          <a:p>
+            <a:r>
+              <a:rPr lang="en-US" altLang="ja-JP" dirty="0" smtClean="0"/>
+              <a:t>1</a:t>
+            </a:r>
+            <a:r>
+              <a:rPr lang="ja-JP" altLang="en-US" dirty="0" smtClean="0"/>
+              <a:t>次混合</a:t>
+            </a:r>
+            <a:endParaRPr kumimoji="1" lang="ja-JP" altLang="en-US" dirty="0"/>
+          </a:p>
+        </p:txBody>
+      </p:sp>
+      <p:sp>
+        <p:nvSpPr>
+          <p:cNvPr id="3" name="コンテンツ プレースホルダー 2"/>
+          <p:cNvSpPr>
+            <a:spLocks noGrp="1"/>
+          </p:cNvSpPr>
+          <p:nvPr>
+            <p:ph sz="quarter" idx="1"/>
+          </p:nvPr>
+        </p:nvSpPr>
+        <p:spPr>
+          <a:xfrm>
+            <a:off x="612648" y="1600200"/>
+            <a:ext cx="8153400" cy="4997152"/>
+          </a:xfrm>
+        </p:spPr>
+        <p:txBody>
           <a:bodyPr>
             <a:normAutofit/>
           </a:bodyPr>
@@ -9781,428 +9403,195 @@
           <a:p>
             <a:r>
               <a:rPr kumimoji="1" lang="ja-JP" altLang="en-US" dirty="0" smtClean="0"/>
-              <a:t>適合点への狙い撃ち法の問題</a:t>
-            </a:r>
-            <a:endParaRPr kumimoji="1" lang="ja-JP" altLang="en-US" dirty="0"/>
-          </a:p>
-        </p:txBody>
-      </p:sp>
-      <p:sp>
-        <p:nvSpPr>
-          <p:cNvPr id="3" name="コンテンツ プレースホルダー 2"/>
-          <p:cNvSpPr>
-            <a:spLocks noGrp="1"/>
-          </p:cNvSpPr>
-          <p:nvPr>
-            <p:ph sz="quarter" idx="1"/>
-          </p:nvPr>
-        </p:nvSpPr>
-        <p:spPr/>
-        <p:txBody>
-          <a:bodyPr/>
-          <a:lstStyle/>
-          <a:p>
-            <a:r>
-              <a:rPr lang="ja-JP" altLang="en-US" dirty="0" smtClean="0"/>
-              <a:t>狙い撃ち法の適合点は</a:t>
+              <a:t>入力と出力が一致する解を得るために、最も簡単な</a:t>
+            </a:r>
+            <a:r>
+              <a:rPr kumimoji="1" lang="en-US" altLang="ja-JP" dirty="0" smtClean="0"/>
+              <a:t>1</a:t>
+            </a:r>
+            <a:r>
+              <a:rPr kumimoji="1" lang="ja-JP" altLang="en-US" dirty="0" smtClean="0"/>
+              <a:t>次混合法を使う。</a:t>
+            </a:r>
+            <a:endParaRPr kumimoji="1" lang="en-US" altLang="ja-JP" dirty="0" smtClean="0"/>
+          </a:p>
+          <a:p>
+            <a:r>
+              <a:rPr kumimoji="1" lang="ja-JP" altLang="en-US" dirty="0" smtClean="0"/>
+              <a:t>すなわち、</a:t>
+            </a:r>
+            <a:r>
+              <a:rPr kumimoji="1" lang="en-US" altLang="ja-JP" dirty="0" err="1" smtClean="0"/>
+              <a:t>i</a:t>
+            </a:r>
+            <a:r>
+              <a:rPr kumimoji="1" lang="en-US" altLang="ja-JP" dirty="0" smtClean="0"/>
+              <a:t> + 1</a:t>
+            </a:r>
+            <a:r>
+              <a:rPr kumimoji="1" lang="ja-JP" altLang="en-US" dirty="0" smtClean="0"/>
+              <a:t>段階での改善された入力関数</a:t>
+            </a:r>
+            <a:r>
+              <a:rPr kumimoji="1" lang="en-US" altLang="ja-JP" dirty="0" smtClean="0"/>
+              <a:t>y</a:t>
+            </a:r>
+            <a:r>
+              <a:rPr kumimoji="1" lang="en-US" altLang="ja-JP" baseline="-25000" dirty="0" smtClean="0"/>
+              <a:t>i+1</a:t>
+            </a:r>
+            <a:r>
+              <a:rPr kumimoji="1" lang="en-US" altLang="ja-JP" baseline="30000" dirty="0" smtClean="0"/>
+              <a:t>in</a:t>
+            </a:r>
+            <a:r>
+              <a:rPr kumimoji="1" lang="ja-JP" altLang="en-US" dirty="0" smtClean="0"/>
+              <a:t>   は、</a:t>
+            </a:r>
+            <a:r>
+              <a:rPr kumimoji="1" lang="en-US" altLang="ja-JP" dirty="0" err="1" smtClean="0"/>
+              <a:t>i</a:t>
+            </a:r>
+            <a:r>
+              <a:rPr kumimoji="1" lang="ja-JP" altLang="en-US" dirty="0" smtClean="0"/>
+              <a:t>段階での</a:t>
+            </a:r>
+            <a:r>
+              <a:rPr lang="en-US" altLang="ja-JP" dirty="0" smtClean="0">
+                <a:solidFill>
+                  <a:prstClr val="black"/>
+                </a:solidFill>
+              </a:rPr>
+              <a:t>y</a:t>
+            </a:r>
+            <a:r>
+              <a:rPr lang="en-US" altLang="ja-JP" baseline="-25000" dirty="0" smtClean="0">
+                <a:solidFill>
+                  <a:prstClr val="black"/>
+                </a:solidFill>
+              </a:rPr>
+              <a:t>i</a:t>
+            </a:r>
+            <a:r>
+              <a:rPr lang="en-US" altLang="ja-JP" baseline="30000" dirty="0" smtClean="0">
+                <a:solidFill>
+                  <a:prstClr val="black"/>
+                </a:solidFill>
+              </a:rPr>
+              <a:t>in</a:t>
+            </a:r>
+            <a:r>
+              <a:rPr kumimoji="1" lang="ja-JP" altLang="en-US" dirty="0" smtClean="0"/>
+              <a:t>と</a:t>
+            </a:r>
+            <a:r>
+              <a:rPr lang="en-US" altLang="ja-JP" dirty="0" smtClean="0">
+                <a:solidFill>
+                  <a:prstClr val="black"/>
+                </a:solidFill>
+              </a:rPr>
+              <a:t>y</a:t>
+            </a:r>
+            <a:r>
+              <a:rPr lang="en-US" altLang="ja-JP" baseline="-25000" dirty="0" smtClean="0">
+                <a:solidFill>
+                  <a:prstClr val="black"/>
+                </a:solidFill>
+              </a:rPr>
+              <a:t>i</a:t>
+            </a:r>
+            <a:r>
+              <a:rPr lang="en-US" altLang="ja-JP" baseline="30000" dirty="0" smtClean="0">
+                <a:solidFill>
+                  <a:prstClr val="black"/>
+                </a:solidFill>
+              </a:rPr>
+              <a:t>out</a:t>
+            </a:r>
+            <a:r>
+              <a:rPr kumimoji="1" lang="ja-JP" altLang="en-US" dirty="0" smtClean="0"/>
+              <a:t>を用いて、次式で与えられる。</a:t>
+            </a:r>
+            <a:endParaRPr kumimoji="1" lang="en-US" altLang="ja-JP" dirty="0" smtClean="0"/>
+          </a:p>
+          <a:p>
+            <a:endParaRPr lang="en-US" altLang="ja-JP" dirty="0"/>
+          </a:p>
+          <a:p>
+            <a:r>
+              <a:rPr lang="ja-JP" altLang="en-US" dirty="0"/>
+              <a:t>ここ</a:t>
+            </a:r>
+            <a:r>
+              <a:rPr lang="ja-JP" altLang="en-US" dirty="0" smtClean="0"/>
+              <a:t>で</a:t>
             </a:r>
             <a:r>
               <a:rPr lang="en-US" altLang="ja-JP" dirty="0" smtClean="0"/>
-              <a:t>5.0</a:t>
-            </a:r>
-            <a:r>
-              <a:rPr lang="ja-JP" altLang="en-US" dirty="0" smtClean="0"/>
-              <a:t>～</a:t>
+              <a:t>α</a:t>
+            </a:r>
+            <a:r>
+              <a:rPr lang="ja-JP" altLang="en-US" dirty="0" smtClean="0"/>
+              <a:t>は定数であり、</a:t>
             </a:r>
             <a:r>
               <a:rPr lang="en-US" altLang="ja-JP" dirty="0" smtClean="0"/>
-              <a:t>10.0</a:t>
-            </a:r>
-            <a:r>
-              <a:rPr lang="ja-JP" altLang="en-US" dirty="0" smtClean="0"/>
-              <a:t>程度が良いらしい（調査中）。</a:t>
+              <a:t>α = 0.05</a:t>
+            </a:r>
+            <a:r>
+              <a:rPr lang="ja-JP" altLang="en-US" dirty="0" smtClean="0"/>
+              <a:t>程度としないと収束</a:t>
+            </a:r>
+            <a:r>
+              <a:rPr lang="ja-JP" altLang="en-US" smtClean="0"/>
+              <a:t>しない</a:t>
+            </a:r>
+            <a:r>
+              <a:rPr lang="ja-JP" altLang="en-US" smtClean="0"/>
+              <a:t>。</a:t>
             </a:r>
             <a:endParaRPr lang="en-US" altLang="ja-JP" dirty="0" smtClean="0"/>
           </a:p>
-          <a:p>
-            <a:r>
-              <a:rPr lang="ja-JP" altLang="en-US" dirty="0" smtClean="0"/>
-              <a:t>そもそも最初から狙い撃ち法を使えば</a:t>
-            </a:r>
-            <a:r>
-              <a:rPr lang="en-US" altLang="ja-JP" dirty="0"/>
-              <a:t>…</a:t>
-            </a:r>
-            <a:r>
-              <a:rPr lang="ja-JP" altLang="en-US" dirty="0"/>
-              <a:t>が、この方法では、適合点</a:t>
-            </a:r>
-            <a:r>
-              <a:rPr lang="ja-JP" altLang="en-US" dirty="0" smtClean="0"/>
-              <a:t>で値が「異なる」の</a:t>
-            </a:r>
-            <a:r>
-              <a:rPr lang="ja-JP" altLang="en-US" dirty="0"/>
-              <a:t>で精度の高い解が</a:t>
-            </a:r>
-            <a:r>
-              <a:rPr lang="ja-JP" altLang="en-US" dirty="0" smtClean="0"/>
-              <a:t>得られない（私のプログラムがバグっている可能性もあるが</a:t>
-            </a:r>
-            <a:r>
-              <a:rPr lang="en-US" altLang="ja-JP" dirty="0"/>
-              <a:t>…</a:t>
-            </a:r>
-            <a:r>
-              <a:rPr lang="ja-JP" altLang="en-US" dirty="0" smtClean="0"/>
-              <a:t>まあ初期関数なので</a:t>
-            </a:r>
-            <a:r>
-              <a:rPr lang="en-US" altLang="ja-JP" dirty="0" smtClean="0"/>
-              <a:t>…</a:t>
-            </a:r>
-            <a:r>
-              <a:rPr lang="ja-JP" altLang="en-US" dirty="0" smtClean="0"/>
-              <a:t>）。</a:t>
-            </a:r>
-            <a:endParaRPr lang="ja-JP" altLang="en-US" dirty="0"/>
-          </a:p>
-          <a:p>
-            <a:endParaRPr kumimoji="1" lang="ja-JP" altLang="en-US" dirty="0"/>
-          </a:p>
-        </p:txBody>
-      </p:sp>
-      <p:graphicFrame>
-        <p:nvGraphicFramePr>
-          <p:cNvPr id="4" name="表 3"/>
-          <p:cNvGraphicFramePr>
-            <a:graphicFrameLocks noGrp="1"/>
-          </p:cNvGraphicFramePr>
-          <p:nvPr>
-            <p:extLst>
-              <p:ext uri="{D42A27DB-BD31-4B8C-83A1-F6EECF244321}">
-                <p14:modId xmlns:p14="http://schemas.microsoft.com/office/powerpoint/2010/main" val="1494058459"/>
-              </p:ext>
-            </p:extLst>
-          </p:nvPr>
-        </p:nvGraphicFramePr>
-        <p:xfrm>
-          <a:off x="1115616" y="4437112"/>
-          <a:ext cx="6984776" cy="2225040"/>
-        </p:xfrm>
-        <a:graphic>
-          <a:graphicData uri="http://schemas.openxmlformats.org/drawingml/2006/table">
-            <a:tbl>
-              <a:tblPr firstRow="1" bandRow="1">
-                <a:tableStyleId>{5C22544A-7EE6-4342-B048-85BDC9FD1C3A}</a:tableStyleId>
-              </a:tblPr>
-              <a:tblGrid>
-                <a:gridCol w="1152128"/>
-                <a:gridCol w="3456384"/>
-                <a:gridCol w="2376264"/>
-              </a:tblGrid>
-              <a:tr h="370840">
-                <a:tc>
-                  <a:txBody>
-                    <a:bodyPr/>
-                    <a:lstStyle/>
-                    <a:p>
-                      <a:pPr algn="ctr"/>
-                      <a:r>
-                        <a:rPr kumimoji="1" lang="en-US" altLang="ja-JP" dirty="0" smtClean="0"/>
-                        <a:t>x</a:t>
-                      </a:r>
-                      <a:endParaRPr kumimoji="1" lang="ja-JP" altLang="en-US" dirty="0"/>
-                    </a:p>
-                  </a:txBody>
-                  <a:tcPr/>
-                </a:tc>
-                <a:tc>
-                  <a:txBody>
-                    <a:bodyPr/>
-                    <a:lstStyle/>
-                    <a:p>
-                      <a:pPr algn="ctr"/>
-                      <a:r>
-                        <a:rPr kumimoji="1" lang="ja-JP" altLang="en-US" dirty="0" smtClean="0"/>
-                        <a:t>原点にごく近い点から解いた</a:t>
-                      </a:r>
-                      <a:r>
-                        <a:rPr kumimoji="1" lang="en-US" altLang="ja-JP" dirty="0" smtClean="0"/>
-                        <a:t>y(x)</a:t>
-                      </a:r>
-                      <a:endParaRPr kumimoji="1" lang="ja-JP" altLang="en-US" dirty="0"/>
-                    </a:p>
-                  </a:txBody>
-                  <a:tcPr/>
-                </a:tc>
-                <a:tc>
-                  <a:txBody>
-                    <a:bodyPr/>
-                    <a:lstStyle/>
-                    <a:p>
-                      <a:pPr algn="ctr"/>
-                      <a:r>
-                        <a:rPr kumimoji="1" lang="ja-JP" altLang="en-US" dirty="0" smtClean="0"/>
-                        <a:t>遠方から解いた</a:t>
-                      </a:r>
-                      <a:r>
-                        <a:rPr kumimoji="1" lang="en-US" altLang="ja-JP" dirty="0" smtClean="0"/>
-                        <a:t>y(x)</a:t>
-                      </a:r>
-                      <a:endParaRPr kumimoji="1" lang="ja-JP" altLang="en-US" dirty="0"/>
-                    </a:p>
-                  </a:txBody>
-                  <a:tcPr/>
-                </a:tc>
-              </a:tr>
-              <a:tr h="370840">
-                <a:tc>
-                  <a:txBody>
-                    <a:bodyPr/>
-                    <a:lstStyle/>
-                    <a:p>
-                      <a:pPr algn="ctr"/>
-                      <a:r>
-                        <a:rPr kumimoji="1" lang="en-US" altLang="ja-JP" dirty="0" smtClean="0"/>
-                        <a:t>4.98</a:t>
-                      </a:r>
-                      <a:endParaRPr kumimoji="1" lang="ja-JP" altLang="en-US" dirty="0"/>
-                    </a:p>
-                  </a:txBody>
-                  <a:tcPr/>
-                </a:tc>
-                <a:tc>
-                  <a:txBody>
-                    <a:bodyPr/>
-                    <a:lstStyle/>
-                    <a:p>
-                      <a:pPr algn="ctr"/>
-                      <a:r>
-                        <a:rPr kumimoji="1" lang="en-US" altLang="ja-JP" dirty="0" smtClean="0"/>
-                        <a:t>0.0788376</a:t>
-                      </a:r>
-                      <a:endParaRPr kumimoji="1" lang="ja-JP" altLang="en-US" dirty="0"/>
-                    </a:p>
-                  </a:txBody>
-                  <a:tcPr/>
-                </a:tc>
-                <a:tc>
-                  <a:txBody>
-                    <a:bodyPr/>
-                    <a:lstStyle/>
-                    <a:p>
-                      <a:endParaRPr kumimoji="1" lang="ja-JP" altLang="en-US" dirty="0"/>
-                    </a:p>
-                  </a:txBody>
-                  <a:tcPr/>
-                </a:tc>
-              </a:tr>
-              <a:tr h="370840">
-                <a:tc>
-                  <a:txBody>
-                    <a:bodyPr/>
-                    <a:lstStyle/>
-                    <a:p>
-                      <a:pPr algn="ctr"/>
-                      <a:r>
-                        <a:rPr kumimoji="1" lang="en-US" altLang="ja-JP" dirty="0" smtClean="0"/>
-                        <a:t>4.99</a:t>
-                      </a:r>
-                      <a:endParaRPr kumimoji="1" lang="ja-JP" altLang="en-US" dirty="0"/>
-                    </a:p>
-                  </a:txBody>
-                  <a:tcPr/>
-                </a:tc>
-                <a:tc>
-                  <a:txBody>
-                    <a:bodyPr/>
-                    <a:lstStyle/>
-                    <a:p>
-                      <a:pPr algn="ctr"/>
-                      <a:r>
-                        <a:rPr kumimoji="1" lang="en-US" altLang="ja-JP" dirty="0" smtClean="0"/>
-                        <a:t>0.0785983</a:t>
-                      </a:r>
-                      <a:endParaRPr kumimoji="1" lang="ja-JP" altLang="en-US" dirty="0"/>
-                    </a:p>
-                  </a:txBody>
-                  <a:tcPr/>
-                </a:tc>
-                <a:tc>
-                  <a:txBody>
-                    <a:bodyPr/>
-                    <a:lstStyle/>
-                    <a:p>
-                      <a:endParaRPr kumimoji="1" lang="ja-JP" altLang="en-US" dirty="0"/>
-                    </a:p>
-                  </a:txBody>
-                  <a:tcPr/>
-                </a:tc>
-              </a:tr>
-              <a:tr h="370840">
-                <a:tc>
-                  <a:txBody>
-                    <a:bodyPr/>
-                    <a:lstStyle/>
-                    <a:p>
-                      <a:pPr algn="ctr"/>
-                      <a:r>
-                        <a:rPr kumimoji="1" lang="en-US" altLang="ja-JP" dirty="0" smtClean="0"/>
-                        <a:t>5.00</a:t>
-                      </a:r>
-                      <a:endParaRPr kumimoji="1" lang="ja-JP" altLang="en-US" dirty="0"/>
-                    </a:p>
-                  </a:txBody>
-                  <a:tcPr/>
-                </a:tc>
-                <a:tc>
-                  <a:txBody>
-                    <a:bodyPr/>
-                    <a:lstStyle/>
-                    <a:p>
-                      <a:pPr algn="ctr"/>
-                      <a:r>
-                        <a:rPr kumimoji="1" lang="en-US" altLang="ja-JP" dirty="0" smtClean="0"/>
-                        <a:t>0.07</a:t>
-                      </a:r>
-                      <a:r>
-                        <a:rPr kumimoji="1" lang="en-US" altLang="ja-JP" baseline="0" dirty="0" smtClean="0">
-                          <a:solidFill>
-                            <a:srgbClr val="FF0000"/>
-                          </a:solidFill>
-                        </a:rPr>
-                        <a:t>83599</a:t>
-                      </a:r>
-                      <a:endParaRPr kumimoji="1" lang="ja-JP" altLang="en-US" baseline="0" dirty="0">
-                        <a:solidFill>
-                          <a:srgbClr val="FF0000"/>
-                        </a:solidFill>
-                      </a:endParaRPr>
-                    </a:p>
-                  </a:txBody>
-                  <a:tcPr/>
-                </a:tc>
-                <a:tc>
-                  <a:txBody>
-                    <a:bodyPr/>
-                    <a:lstStyle/>
-                    <a:p>
-                      <a:pPr algn="ctr"/>
-                      <a:r>
-                        <a:rPr kumimoji="1" lang="en-US" altLang="ja-JP" dirty="0" smtClean="0"/>
-                        <a:t>0.07</a:t>
-                      </a:r>
-                      <a:r>
-                        <a:rPr kumimoji="1" lang="en-US" altLang="ja-JP" baseline="0" dirty="0" smtClean="0">
-                          <a:solidFill>
-                            <a:srgbClr val="FF0000"/>
-                          </a:solidFill>
-                        </a:rPr>
-                        <a:t>92299</a:t>
-                      </a:r>
-                      <a:endParaRPr kumimoji="1" lang="ja-JP" altLang="en-US" baseline="0" dirty="0">
-                        <a:solidFill>
-                          <a:srgbClr val="FF0000"/>
-                        </a:solidFill>
-                      </a:endParaRPr>
-                    </a:p>
-                  </a:txBody>
-                  <a:tcPr/>
-                </a:tc>
-              </a:tr>
-              <a:tr h="370840">
-                <a:tc>
-                  <a:txBody>
-                    <a:bodyPr/>
-                    <a:lstStyle/>
-                    <a:p>
-                      <a:pPr algn="ctr"/>
-                      <a:r>
-                        <a:rPr kumimoji="1" lang="en-US" altLang="ja-JP" dirty="0" smtClean="0"/>
-                        <a:t>5.01</a:t>
-                      </a:r>
-                      <a:endParaRPr kumimoji="1" lang="ja-JP" altLang="en-US" dirty="0"/>
-                    </a:p>
-                  </a:txBody>
-                  <a:tcPr/>
-                </a:tc>
-                <a:tc>
-                  <a:txBody>
-                    <a:bodyPr/>
-                    <a:lstStyle/>
-                    <a:p>
-                      <a:endParaRPr kumimoji="1" lang="ja-JP" altLang="en-US" dirty="0"/>
-                    </a:p>
-                  </a:txBody>
-                  <a:tcPr/>
-                </a:tc>
-                <a:tc>
-                  <a:txBody>
-                    <a:bodyPr/>
-                    <a:lstStyle/>
-                    <a:p>
-                      <a:pPr algn="ctr"/>
-                      <a:r>
-                        <a:rPr kumimoji="1" lang="en-US" altLang="ja-JP" dirty="0" smtClean="0"/>
-                        <a:t>0.0789933</a:t>
-                      </a:r>
-                      <a:endParaRPr kumimoji="1" lang="ja-JP" altLang="en-US" dirty="0"/>
-                    </a:p>
-                  </a:txBody>
-                  <a:tcPr/>
-                </a:tc>
-              </a:tr>
-              <a:tr h="370840">
-                <a:tc>
-                  <a:txBody>
-                    <a:bodyPr/>
-                    <a:lstStyle/>
-                    <a:p>
-                      <a:pPr algn="ctr"/>
-                      <a:r>
-                        <a:rPr kumimoji="1" lang="en-US" altLang="ja-JP" dirty="0" smtClean="0"/>
-                        <a:t>5.02</a:t>
-                      </a:r>
-                      <a:endParaRPr kumimoji="1" lang="ja-JP" altLang="en-US" dirty="0"/>
-                    </a:p>
-                  </a:txBody>
-                  <a:tcPr/>
-                </a:tc>
-                <a:tc>
-                  <a:txBody>
-                    <a:bodyPr/>
-                    <a:lstStyle/>
-                    <a:p>
-                      <a:endParaRPr kumimoji="1" lang="ja-JP" altLang="en-US"/>
-                    </a:p>
-                  </a:txBody>
-                  <a:tcPr/>
-                </a:tc>
-                <a:tc>
-                  <a:txBody>
-                    <a:bodyPr/>
-                    <a:lstStyle/>
-                    <a:p>
-                      <a:pPr algn="ctr"/>
-                      <a:r>
-                        <a:rPr kumimoji="1" lang="en-US" altLang="ja-JP" dirty="0" smtClean="0"/>
-                        <a:t>0.0787575</a:t>
-                      </a:r>
-                      <a:endParaRPr kumimoji="1" lang="ja-JP" altLang="en-US" dirty="0"/>
-                    </a:p>
-                  </a:txBody>
-                  <a:tcPr/>
-                </a:tc>
-              </a:tr>
-            </a:tbl>
-          </a:graphicData>
-        </a:graphic>
-      </p:graphicFrame>
+        </p:txBody>
+      </p:sp>
+      <p:pic>
+        <p:nvPicPr>
+          <p:cNvPr id="7" name="図 6"/>
+          <p:cNvPicPr>
+            <a:picLocks noChangeAspect="1"/>
+          </p:cNvPicPr>
+          <p:nvPr>
+            <p:custDataLst>
+              <p:tags r:id="rId1"/>
+            </p:custDataLst>
+          </p:nvPr>
+        </p:nvPicPr>
+        <p:blipFill>
+          <a:blip r:embed="rId3" cstate="print">
+            <a:extLst>
+              <a:ext uri="{28A0092B-C50C-407E-A947-70E740481C1C}">
+                <a14:useLocalDpi xmlns:a14="http://schemas.microsoft.com/office/drawing/2010/main" val="0"/>
+              </a:ext>
+            </a:extLst>
+          </a:blip>
+          <a:stretch>
+            <a:fillRect/>
+          </a:stretch>
+        </p:blipFill>
+        <p:spPr>
+          <a:xfrm>
+            <a:off x="1048018" y="4056076"/>
+            <a:ext cx="2895606" cy="330708"/>
+          </a:xfrm>
+          <a:prstGeom prst="rect">
+            <a:avLst/>
+          </a:prstGeom>
+        </p:spPr>
+      </p:pic>
     </p:spTree>
     <p:extLst>
       <p:ext uri="{BB962C8B-B14F-4D97-AF65-F5344CB8AC3E}">
-        <p14:creationId xmlns:p14="http://schemas.microsoft.com/office/powerpoint/2010/main" val="2122010460"/>
+        <p14:creationId xmlns:p14="http://schemas.microsoft.com/office/powerpoint/2010/main" val="1811997026"/>
       </p:ext>
     </p:extLst>
   </p:cSld>
@@ -10248,16 +9637,14 @@
         </p:nvSpPr>
         <p:spPr/>
         <p:txBody>
-          <a:bodyPr/>
+          <a:bodyPr>
+            <a:normAutofit/>
+          </a:bodyPr>
           <a:lstStyle/>
           <a:p>
             <a:r>
-              <a:rPr lang="en-US" altLang="ja-JP" dirty="0" smtClean="0"/>
-              <a:t>1</a:t>
-            </a:r>
-            <a:r>
-              <a:rPr lang="ja-JP" altLang="en-US" dirty="0" smtClean="0"/>
-              <a:t>次混合</a:t>
+              <a:rPr kumimoji="1" lang="ja-JP" altLang="en-US" dirty="0" smtClean="0"/>
+              <a:t>反復法の収束の判定</a:t>
             </a:r>
             <a:endParaRPr kumimoji="1" lang="ja-JP" altLang="en-US" dirty="0"/>
           </a:p>
@@ -10273,73 +9660,13 @@
             <p:ph sz="quarter" idx="1"/>
           </p:nvPr>
         </p:nvSpPr>
-        <p:spPr>
-          <a:xfrm>
-            <a:off x="612648" y="1600200"/>
-            <a:ext cx="8153400" cy="4997152"/>
-          </a:xfrm>
-        </p:spPr>
+        <p:spPr/>
         <p:txBody>
           <a:bodyPr>
             <a:normAutofit/>
           </a:bodyPr>
           <a:lstStyle/>
           <a:p>
-            <a:r>
-              <a:rPr kumimoji="1" lang="ja-JP" altLang="en-US" dirty="0" smtClean="0"/>
-              <a:t>入力と出力が一致する解を得るために、最も簡単な</a:t>
-            </a:r>
-            <a:r>
-              <a:rPr kumimoji="1" lang="en-US" altLang="ja-JP" dirty="0" smtClean="0"/>
-              <a:t>1</a:t>
-            </a:r>
-            <a:r>
-              <a:rPr kumimoji="1" lang="ja-JP" altLang="en-US" dirty="0" smtClean="0"/>
-              <a:t>次混合法を使う。</a:t>
-            </a:r>
-            <a:endParaRPr kumimoji="1" lang="en-US" altLang="ja-JP" dirty="0" smtClean="0"/>
-          </a:p>
-          <a:p>
-            <a:r>
-              <a:rPr kumimoji="1" lang="ja-JP" altLang="en-US" dirty="0" smtClean="0"/>
-              <a:t>すなわち、</a:t>
-            </a:r>
-            <a:r>
-              <a:rPr kumimoji="1" lang="en-US" altLang="ja-JP" dirty="0" err="1" smtClean="0"/>
-              <a:t>i</a:t>
-            </a:r>
-            <a:r>
-              <a:rPr kumimoji="1" lang="en-US" altLang="ja-JP" dirty="0" smtClean="0"/>
-              <a:t> + 1</a:t>
-            </a:r>
-            <a:r>
-              <a:rPr kumimoji="1" lang="ja-JP" altLang="en-US" dirty="0" smtClean="0"/>
-              <a:t>段階での改善された入力関数</a:t>
-            </a:r>
-            <a:r>
-              <a:rPr kumimoji="1" lang="en-US" altLang="ja-JP" dirty="0" smtClean="0"/>
-              <a:t>y</a:t>
-            </a:r>
-            <a:r>
-              <a:rPr kumimoji="1" lang="en-US" altLang="ja-JP" baseline="-25000" dirty="0" smtClean="0"/>
-              <a:t>i+1</a:t>
-            </a:r>
-            <a:r>
-              <a:rPr kumimoji="1" lang="en-US" altLang="ja-JP" baseline="30000" dirty="0" smtClean="0"/>
-              <a:t>in</a:t>
-            </a:r>
-            <a:r>
-              <a:rPr kumimoji="1" lang="ja-JP" altLang="en-US" dirty="0" smtClean="0"/>
-              <a:t>   は、</a:t>
-            </a:r>
-            <a:r>
-              <a:rPr kumimoji="1" lang="en-US" altLang="ja-JP" dirty="0" err="1" smtClean="0"/>
-              <a:t>i</a:t>
-            </a:r>
-            <a:r>
-              <a:rPr kumimoji="1" lang="ja-JP" altLang="en-US" dirty="0" smtClean="0"/>
-              <a:t>段階での</a:t>
-            </a:r>
             <a:r>
               <a:rPr lang="en-US" altLang="ja-JP" dirty="0" smtClean="0">
                 <a:solidFill>
@@ -10357,6 +9684,58 @@
               <a:t>i</a:t>
             </a:r>
             <a:r>
+              <a:rPr lang="ja-JP" altLang="en-US" dirty="0" smtClean="0">
+                <a:solidFill>
+                  <a:prstClr val="black"/>
+                </a:solidFill>
+              </a:rPr>
+              <a:t>は（数値計算上は）ベクトルと見なせる。ここで、</a:t>
+            </a:r>
+            <a:r>
+              <a:rPr lang="en-US" altLang="ja-JP" dirty="0" smtClean="0">
+                <a:solidFill>
+                  <a:prstClr val="black"/>
+                </a:solidFill>
+              </a:rPr>
+              <a:t>y</a:t>
+            </a:r>
+            <a:r>
+              <a:rPr lang="en-US" altLang="ja-JP" baseline="-25000" dirty="0" smtClean="0">
+                <a:solidFill>
+                  <a:prstClr val="black"/>
+                </a:solidFill>
+              </a:rPr>
+              <a:t>i</a:t>
+            </a:r>
+            <a:r>
+              <a:rPr lang="en-US" altLang="ja-JP" baseline="30000" dirty="0" smtClean="0">
+                <a:solidFill>
+                  <a:prstClr val="black"/>
+                </a:solidFill>
+              </a:rPr>
+              <a:t>out</a:t>
+            </a:r>
+            <a:r>
+              <a:rPr lang="ja-JP" altLang="en-US" dirty="0"/>
+              <a:t>と</a:t>
+            </a:r>
+            <a:r>
+              <a:rPr lang="en-US" altLang="ja-JP" dirty="0" smtClean="0">
+                <a:solidFill>
+                  <a:prstClr val="black"/>
+                </a:solidFill>
+              </a:rPr>
+              <a:t>y</a:t>
+            </a:r>
+            <a:r>
+              <a:rPr lang="en-US" altLang="ja-JP" baseline="-25000" dirty="0" smtClean="0">
+                <a:solidFill>
+                  <a:prstClr val="black"/>
+                </a:solidFill>
+              </a:rPr>
+              <a:t>i</a:t>
+            </a:r>
+            <a:r>
               <a:rPr lang="en-US" altLang="ja-JP" baseline="30000" dirty="0" smtClean="0">
                 <a:solidFill>
                   <a:prstClr val="black"/>
@@ -10365,11 +9744,55 @@
               <a:t>in</a:t>
             </a:r>
             <a:r>
-              <a:rPr kumimoji="1" lang="ja-JP" altLang="en-US" dirty="0" smtClean="0"/>
-              <a:t>と</a:t>
+              <a:rPr lang="ja-JP" altLang="en-US" dirty="0">
+                <a:solidFill>
+                  <a:prstClr val="black"/>
+                </a:solidFill>
+              </a:rPr>
+              <a:t>の</a:t>
+            </a:r>
+            <a:r>
+              <a:rPr lang="ja-JP" altLang="en-US" dirty="0" smtClean="0">
+                <a:solidFill>
+                  <a:prstClr val="black"/>
+                </a:solidFill>
+              </a:rPr>
+              <a:t>差の大きさを</a:t>
+            </a:r>
+            <a:r>
+              <a:rPr lang="en-US" altLang="ja-JP" dirty="0" err="1" smtClean="0">
+                <a:solidFill>
+                  <a:prstClr val="black"/>
+                </a:solidFill>
+              </a:rPr>
+              <a:t>IterationError</a:t>
+            </a:r>
+            <a:r>
+              <a:rPr lang="ja-JP" altLang="en-US" dirty="0" smtClean="0">
+                <a:solidFill>
+                  <a:prstClr val="black"/>
+                </a:solidFill>
+              </a:rPr>
+              <a:t>と適当に名付け、</a:t>
+            </a:r>
+            <a:r>
+              <a:rPr lang="en-US" altLang="ja-JP" dirty="0" err="1" smtClean="0">
+                <a:solidFill>
+                  <a:prstClr val="black"/>
+                </a:solidFill>
+              </a:rPr>
+              <a:t>IterationError</a:t>
             </a:r>
             <a:r>
               <a:rPr lang="en-US" altLang="ja-JP" dirty="0" smtClean="0">
+                <a:solidFill>
+                  <a:prstClr val="black"/>
+                </a:solidFill>
+              </a:rPr>
+              <a:t> = |</a:t>
+            </a:r>
+            <a:r>
+              <a:rPr lang="en-US" altLang="ja-JP" b="1" dirty="0" smtClean="0">
                 <a:solidFill>
                   <a:prstClr val="black"/>
                 </a:solidFill>
@@ -10393,100 +9816,195 @@
               <a:t>out</a:t>
             </a:r>
             <a:r>
-              <a:rPr kumimoji="1" lang="ja-JP" altLang="en-US" dirty="0" smtClean="0"/>
-              <a:t>を用いて、次式で与えられる。</a:t>
+              <a:rPr lang="ja-JP" altLang="en-US" baseline="30000" dirty="0" smtClean="0">
+                <a:solidFill>
+                  <a:prstClr val="black"/>
+                </a:solidFill>
+              </a:rPr>
+              <a:t>　</a:t>
+            </a:r>
+            <a:r>
+              <a:rPr lang="en-US" altLang="ja-JP" dirty="0" smtClean="0">
+                <a:solidFill>
+                  <a:prstClr val="black"/>
+                </a:solidFill>
+              </a:rPr>
+              <a:t>–</a:t>
+            </a:r>
+            <a:r>
+              <a:rPr lang="en-US" altLang="ja-JP" baseline="30000" dirty="0" smtClean="0">
+                <a:solidFill>
+                  <a:prstClr val="black"/>
+                </a:solidFill>
+              </a:rPr>
+              <a:t> </a:t>
+            </a:r>
+            <a:r>
+              <a:rPr lang="en-US" altLang="ja-JP" b="1" dirty="0" smtClean="0">
+                <a:solidFill>
+                  <a:prstClr val="black"/>
+                </a:solidFill>
+              </a:rPr>
+              <a:t>y</a:t>
+            </a:r>
+            <a:r>
+              <a:rPr lang="en-US" altLang="ja-JP" baseline="-25000" dirty="0" smtClean="0">
+                <a:solidFill>
+                  <a:prstClr val="black"/>
+                </a:solidFill>
+              </a:rPr>
+              <a:t>i</a:t>
+            </a:r>
+            <a:r>
+              <a:rPr lang="en-US" altLang="ja-JP" baseline="30000" dirty="0" smtClean="0">
+                <a:solidFill>
+                  <a:prstClr val="black"/>
+                </a:solidFill>
+              </a:rPr>
+              <a:t>in</a:t>
+            </a:r>
+            <a:r>
+              <a:rPr lang="en-US" altLang="ja-JP" dirty="0" smtClean="0">
+                <a:solidFill>
+                  <a:prstClr val="black"/>
+                </a:solidFill>
+              </a:rPr>
+              <a:t>|</a:t>
+            </a:r>
+            <a:r>
+              <a:rPr lang="ja-JP" altLang="en-US" dirty="0" smtClean="0">
+                <a:solidFill>
+                  <a:prstClr val="black"/>
+                </a:solidFill>
+              </a:rPr>
+              <a:t>と定義する。</a:t>
+            </a:r>
+            <a:endParaRPr lang="en-US" altLang="ja-JP" dirty="0" smtClean="0">
+              <a:solidFill>
+                <a:prstClr val="black"/>
+              </a:solidFill>
+            </a:endParaRPr>
+          </a:p>
+          <a:p>
+            <a:r>
+              <a:rPr lang="ja-JP" altLang="en-US" dirty="0" smtClean="0">
+                <a:solidFill>
+                  <a:prstClr val="black"/>
+                </a:solidFill>
+              </a:rPr>
+              <a:t>この</a:t>
+            </a:r>
+            <a:r>
+              <a:rPr lang="en-US" altLang="ja-JP" dirty="0" err="1">
+                <a:solidFill>
+                  <a:prstClr val="black"/>
+                </a:solidFill>
+              </a:rPr>
+              <a:t>IterationError</a:t>
+            </a:r>
+            <a:r>
+              <a:rPr lang="ja-JP" altLang="en-US" dirty="0" smtClean="0">
+                <a:solidFill>
+                  <a:prstClr val="black"/>
+                </a:solidFill>
+              </a:rPr>
+              <a:t>がある閾値（</a:t>
+            </a:r>
+            <a:r>
+              <a:rPr lang="en-US" altLang="ja-JP" dirty="0" smtClean="0">
+                <a:solidFill>
+                  <a:prstClr val="black"/>
+                </a:solidFill>
+              </a:rPr>
+              <a:t>ε</a:t>
+            </a:r>
+            <a:r>
+              <a:rPr lang="ja-JP" altLang="en-US" dirty="0" smtClean="0">
+                <a:solidFill>
+                  <a:prstClr val="black"/>
+                </a:solidFill>
+              </a:rPr>
+              <a:t>）未満になった場合（</a:t>
+            </a:r>
+            <a:r>
+              <a:rPr lang="en-US" altLang="ja-JP" dirty="0" err="1">
+                <a:solidFill>
+                  <a:prstClr val="black"/>
+                </a:solidFill>
+              </a:rPr>
+              <a:t>IterationError</a:t>
+            </a:r>
+            <a:r>
+              <a:rPr lang="en-US" altLang="ja-JP" dirty="0">
+                <a:solidFill>
+                  <a:prstClr val="black"/>
+                </a:solidFill>
+              </a:rPr>
+              <a:t> </a:t>
+            </a:r>
+            <a:r>
+              <a:rPr lang="en-US" altLang="ja-JP" dirty="0" smtClean="0">
+                <a:solidFill>
+                  <a:prstClr val="black"/>
+                </a:solidFill>
+              </a:rPr>
+              <a:t>&lt; </a:t>
+            </a:r>
+            <a:r>
+              <a:rPr lang="en-US" altLang="ja-JP" dirty="0">
+                <a:solidFill>
+                  <a:prstClr val="black"/>
+                </a:solidFill>
+              </a:rPr>
+              <a:t>ε</a:t>
+            </a:r>
+            <a:r>
+              <a:rPr lang="ja-JP" altLang="en-US" dirty="0" smtClean="0">
+                <a:solidFill>
+                  <a:prstClr val="black"/>
+                </a:solidFill>
+              </a:rPr>
+              <a:t>）、収束したと判定する。</a:t>
             </a:r>
             <a:endParaRPr kumimoji="1" lang="en-US" altLang="ja-JP" dirty="0" smtClean="0"/>
           </a:p>
           <a:p>
-            <a:endParaRPr lang="en-US" altLang="ja-JP" dirty="0"/>
-          </a:p>
-          <a:p>
-            <a:r>
-              <a:rPr lang="ja-JP" altLang="en-US" dirty="0"/>
-              <a:t>ここ</a:t>
-            </a:r>
-            <a:r>
-              <a:rPr lang="ja-JP" altLang="en-US" dirty="0" smtClean="0"/>
-              <a:t>で</a:t>
+            <a:r>
+              <a:rPr lang="en-US" altLang="ja-JP" dirty="0" err="1"/>
+              <a:t>IterationError</a:t>
+            </a:r>
+            <a:r>
+              <a:rPr lang="ja-JP" altLang="en-US" dirty="0" smtClean="0"/>
+              <a:t>は、どうがんばっても</a:t>
             </a:r>
             <a:r>
               <a:rPr lang="en-US" altLang="ja-JP" dirty="0" smtClean="0"/>
-              <a:t>α</a:t>
-            </a:r>
-            <a:r>
-              <a:rPr lang="ja-JP" altLang="en-US" dirty="0" smtClean="0"/>
-              <a:t>は定数であり、</a:t>
+              <a:t>10</a:t>
+            </a:r>
+            <a:r>
+              <a:rPr lang="en-US" altLang="ja-JP" baseline="30000" dirty="0" smtClean="0"/>
+              <a:t>-12</a:t>
+            </a:r>
+            <a:r>
+              <a:rPr lang="ja-JP" altLang="en-US" dirty="0" smtClean="0"/>
+              <a:t>程度以下には下がらないので、</a:t>
             </a:r>
             <a:r>
               <a:rPr lang="en-US" altLang="ja-JP" dirty="0" smtClean="0"/>
-              <a:t>α = 0.05</a:t>
-            </a:r>
-            <a:r>
-              <a:rPr lang="ja-JP" altLang="en-US" dirty="0" smtClean="0"/>
-              <a:t>程度としないと収束しない。</a:t>
+              <a:t>ε</a:t>
+            </a:r>
+            <a:r>
+              <a:rPr lang="ja-JP" altLang="en-US" dirty="0" smtClean="0"/>
+              <a:t>もその程度とする（絶対的な誤差基準よりもむしろ、相対的な誤差基準を使うべきかもしれない）。</a:t>
             </a:r>
             <a:endParaRPr lang="en-US" altLang="ja-JP" dirty="0" smtClean="0"/>
           </a:p>
-          <a:p>
-            <a:r>
-              <a:rPr lang="ja-JP" altLang="en-US" dirty="0" smtClean="0"/>
-              <a:t>（修正）</a:t>
-            </a:r>
-            <a:r>
-              <a:rPr lang="en-US" altLang="ja-JP" dirty="0" err="1" smtClean="0"/>
-              <a:t>Broyden</a:t>
-            </a:r>
-            <a:r>
-              <a:rPr lang="ja-JP" altLang="en-US" dirty="0"/>
-              <a:t>法などのより高度</a:t>
-            </a:r>
-            <a:r>
-              <a:rPr lang="ja-JP" altLang="en-US" dirty="0" smtClean="0"/>
-              <a:t>な方法もあるが、（実装が面倒なので）今回は使わないこととする。</a:t>
-            </a:r>
-            <a:endParaRPr kumimoji="1" lang="ja-JP" altLang="en-US" dirty="0"/>
-          </a:p>
-        </p:txBody>
-      </p:sp>
-      <p:pic>
-        <p:nvPicPr>
-          <p:cNvPr id="7" name="図 6"/>
-          <p:cNvPicPr>
-            <a:picLocks noChangeAspect="1"/>
-          </p:cNvPicPr>
-          <p:nvPr>
-            <p:custDataLst>
-              <p:tags r:id="rId1"/>
-            </p:custDataLst>
-          </p:nvPr>
-        </p:nvPicPr>
-        <p:blipFill>
-          <a:blip r:embed="rId3" cstate="print">
-            <a:extLst>
-              <a:ext uri="{28A0092B-C50C-407E-A947-70E740481C1C}">
-                <a14:useLocalDpi xmlns:a14="http://schemas.microsoft.com/office/drawing/2010/main" val="0"/>
-              </a:ext>
-            </a:extLst>
-          </a:blip>
-          <a:stretch>
-            <a:fillRect/>
-          </a:stretch>
-        </p:blipFill>
-        <p:spPr>
-          <a:xfrm>
-            <a:off x="1048018" y="4056076"/>
-            <a:ext cx="2895606" cy="330708"/>
-          </a:xfrm>
-          <a:prstGeom prst="rect">
-            <a:avLst/>
-          </a:prstGeom>
-        </p:spPr>
-      </p:pic>
+        </p:txBody>
+      </p:sp>
     </p:spTree>
     <p:extLst>
       <p:ext uri="{BB962C8B-B14F-4D97-AF65-F5344CB8AC3E}">
-        <p14:creationId xmlns:p14="http://schemas.microsoft.com/office/powerpoint/2010/main" val="1811997026"/>
+        <p14:creationId xmlns:p14="http://schemas.microsoft.com/office/powerpoint/2010/main" val="3194367450"/>
       </p:ext>
     </p:extLst>
   </p:cSld>
